--- a/презентация и файл/Сравнение js frameworks.pptx
+++ b/презентация и файл/Сравнение js frameworks.pptx
@@ -13,25 +13,25 @@
     <p:sldId id="258" r:id="rId4"/>
     <p:sldId id="260" r:id="rId5"/>
     <p:sldId id="259" r:id="rId6"/>
-    <p:sldId id="261" r:id="rId7"/>
-    <p:sldId id="262" r:id="rId8"/>
-    <p:sldId id="263" r:id="rId9"/>
-    <p:sldId id="264" r:id="rId10"/>
-    <p:sldId id="265" r:id="rId11"/>
+    <p:sldId id="262" r:id="rId7"/>
+    <p:sldId id="263" r:id="rId8"/>
+    <p:sldId id="264" r:id="rId9"/>
+    <p:sldId id="265" r:id="rId10"/>
+    <p:sldId id="261" r:id="rId11"/>
     <p:sldId id="266" r:id="rId12"/>
     <p:sldId id="272" r:id="rId13"/>
     <p:sldId id="273" r:id="rId14"/>
-    <p:sldId id="267" r:id="rId15"/>
-    <p:sldId id="268" r:id="rId16"/>
+    <p:sldId id="268" r:id="rId15"/>
+    <p:sldId id="270" r:id="rId16"/>
     <p:sldId id="269" r:id="rId17"/>
-    <p:sldId id="270" r:id="rId18"/>
+    <p:sldId id="267" r:id="rId18"/>
     <p:sldId id="271" r:id="rId19"/>
     <p:sldId id="279" r:id="rId20"/>
-    <p:sldId id="274" r:id="rId21"/>
-    <p:sldId id="275" r:id="rId22"/>
-    <p:sldId id="276" r:id="rId23"/>
-    <p:sldId id="277" r:id="rId24"/>
-    <p:sldId id="278" r:id="rId25"/>
+    <p:sldId id="275" r:id="rId21"/>
+    <p:sldId id="276" r:id="rId22"/>
+    <p:sldId id="277" r:id="rId23"/>
+    <p:sldId id="278" r:id="rId24"/>
+    <p:sldId id="274" r:id="rId25"/>
     <p:sldId id="280" r:id="rId26"/>
     <p:sldId id="281" r:id="rId27"/>
     <p:sldId id="282" r:id="rId28"/>
@@ -233,7 +233,7 @@
           <a:p>
             <a:fld id="{867157A3-ECE1-4E5C-91A0-18BF3863CA26}" type="datetimeFigureOut">
               <a:rPr lang="ru-RU" smtClean="0"/>
-              <a:t>15.06.2020</a:t>
+              <a:t>17.06.2020</a:t>
             </a:fld>
             <a:endParaRPr lang="ru-RU"/>
           </a:p>
@@ -809,7 +809,7 @@
           <a:p>
             <a:fld id="{3C654B6E-D138-43D5-BC5C-D99E3F0474FC}" type="datetimeFigureOut">
               <a:rPr lang="ru-RU" smtClean="0"/>
-              <a:t>15.06.2020</a:t>
+              <a:t>17.06.2020</a:t>
             </a:fld>
             <a:endParaRPr lang="ru-RU"/>
           </a:p>
@@ -979,7 +979,7 @@
           <a:p>
             <a:fld id="{3C654B6E-D138-43D5-BC5C-D99E3F0474FC}" type="datetimeFigureOut">
               <a:rPr lang="ru-RU" smtClean="0"/>
-              <a:t>15.06.2020</a:t>
+              <a:t>17.06.2020</a:t>
             </a:fld>
             <a:endParaRPr lang="ru-RU"/>
           </a:p>
@@ -1159,7 +1159,7 @@
           <a:p>
             <a:fld id="{3C654B6E-D138-43D5-BC5C-D99E3F0474FC}" type="datetimeFigureOut">
               <a:rPr lang="ru-RU" smtClean="0"/>
-              <a:t>15.06.2020</a:t>
+              <a:t>17.06.2020</a:t>
             </a:fld>
             <a:endParaRPr lang="ru-RU"/>
           </a:p>
@@ -1329,7 +1329,7 @@
           <a:p>
             <a:fld id="{3C654B6E-D138-43D5-BC5C-D99E3F0474FC}" type="datetimeFigureOut">
               <a:rPr lang="ru-RU" smtClean="0"/>
-              <a:t>15.06.2020</a:t>
+              <a:t>17.06.2020</a:t>
             </a:fld>
             <a:endParaRPr lang="ru-RU"/>
           </a:p>
@@ -1587,7 +1587,7 @@
           <a:p>
             <a:fld id="{3C654B6E-D138-43D5-BC5C-D99E3F0474FC}" type="datetimeFigureOut">
               <a:rPr lang="ru-RU" smtClean="0"/>
-              <a:t>15.06.2020</a:t>
+              <a:t>17.06.2020</a:t>
             </a:fld>
             <a:endParaRPr lang="ru-RU"/>
           </a:p>
@@ -1875,7 +1875,7 @@
           <a:p>
             <a:fld id="{3C654B6E-D138-43D5-BC5C-D99E3F0474FC}" type="datetimeFigureOut">
               <a:rPr lang="ru-RU" smtClean="0"/>
-              <a:t>15.06.2020</a:t>
+              <a:t>17.06.2020</a:t>
             </a:fld>
             <a:endParaRPr lang="ru-RU"/>
           </a:p>
@@ -2317,7 +2317,7 @@
           <a:p>
             <a:fld id="{3C654B6E-D138-43D5-BC5C-D99E3F0474FC}" type="datetimeFigureOut">
               <a:rPr lang="ru-RU" smtClean="0"/>
-              <a:t>15.06.2020</a:t>
+              <a:t>17.06.2020</a:t>
             </a:fld>
             <a:endParaRPr lang="ru-RU"/>
           </a:p>
@@ -2435,7 +2435,7 @@
           <a:p>
             <a:fld id="{3C654B6E-D138-43D5-BC5C-D99E3F0474FC}" type="datetimeFigureOut">
               <a:rPr lang="ru-RU" smtClean="0"/>
-              <a:t>15.06.2020</a:t>
+              <a:t>17.06.2020</a:t>
             </a:fld>
             <a:endParaRPr lang="ru-RU"/>
           </a:p>
@@ -2530,7 +2530,7 @@
           <a:p>
             <a:fld id="{3C654B6E-D138-43D5-BC5C-D99E3F0474FC}" type="datetimeFigureOut">
               <a:rPr lang="ru-RU" smtClean="0"/>
-              <a:t>15.06.2020</a:t>
+              <a:t>17.06.2020</a:t>
             </a:fld>
             <a:endParaRPr lang="ru-RU"/>
           </a:p>
@@ -2818,7 +2818,7 @@
           <a:p>
             <a:fld id="{3C654B6E-D138-43D5-BC5C-D99E3F0474FC}" type="datetimeFigureOut">
               <a:rPr lang="ru-RU" smtClean="0"/>
-              <a:t>15.06.2020</a:t>
+              <a:t>17.06.2020</a:t>
             </a:fld>
             <a:endParaRPr lang="ru-RU"/>
           </a:p>
@@ -3091,7 +3091,7 @@
           <a:p>
             <a:fld id="{3C654B6E-D138-43D5-BC5C-D99E3F0474FC}" type="datetimeFigureOut">
               <a:rPr lang="ru-RU" smtClean="0"/>
-              <a:t>15.06.2020</a:t>
+              <a:t>17.06.2020</a:t>
             </a:fld>
             <a:endParaRPr lang="ru-RU"/>
           </a:p>
@@ -3388,7 +3388,7 @@
           <a:p>
             <a:fld id="{3C654B6E-D138-43D5-BC5C-D99E3F0474FC}" type="datetimeFigureOut">
               <a:rPr lang="ru-RU" smtClean="0"/>
-              <a:t>15.06.2020</a:t>
+              <a:t>17.06.2020</a:t>
             </a:fld>
             <a:endParaRPr lang="ru-RU"/>
           </a:p>
@@ -4029,12 +4029,12 @@
           <a:lstStyle/>
           <a:p>
             <a:r>
+              <a:rPr lang="ru-RU" dirty="0" smtClean="0"/>
+              <a:t>Что получилось на </a:t>
+            </a:r>
+            <a:r>
               <a:rPr lang="en-US" dirty="0" smtClean="0"/>
-              <a:t>JS </a:t>
-            </a:r>
-            <a:r>
-              <a:rPr lang="ru-RU" dirty="0" smtClean="0"/>
-              <a:t>код</a:t>
+              <a:t>Vue.js</a:t>
             </a:r>
             <a:endParaRPr lang="ru-RU" dirty="0"/>
           </a:p>
@@ -4058,8 +4058,8 @@
         </p:blipFill>
         <p:spPr>
           <a:xfrm>
-            <a:off x="4061485" y="851550"/>
-            <a:ext cx="5981494" cy="5145756"/>
+            <a:off x="3663781" y="1814512"/>
+            <a:ext cx="7962162" cy="3423694"/>
           </a:xfrm>
           <a:prstGeom prst="rect">
             <a:avLst/>
@@ -4069,7 +4069,7 @@
     </p:spTree>
     <p:extLst>
       <p:ext uri="{BB962C8B-B14F-4D97-AF65-F5344CB8AC3E}">
-        <p14:creationId xmlns:p14="http://schemas.microsoft.com/office/powerpoint/2010/main" val="2764446645"/>
+        <p14:creationId xmlns:p14="http://schemas.microsoft.com/office/powerpoint/2010/main" val="3375472054"/>
       </p:ext>
     </p:extLst>
   </p:cSld>
@@ -4658,14 +4658,19 @@
             <p:ph type="title"/>
           </p:nvPr>
         </p:nvSpPr>
-        <p:spPr/>
+        <p:spPr>
+          <a:xfrm>
+            <a:off x="242969" y="1770017"/>
+            <a:ext cx="2834640" cy="2377440"/>
+          </a:xfrm>
+        </p:spPr>
         <p:txBody>
           <a:bodyPr/>
           <a:lstStyle/>
           <a:p>
             <a:r>
               <a:rPr lang="ru-RU" dirty="0" smtClean="0"/>
-              <a:t>Что получилось на </a:t>
+              <a:t>Директивы </a:t>
             </a:r>
             <a:r>
               <a:rPr lang="en-US" dirty="0" smtClean="0"/>
@@ -4677,11 +4682,13 @@
       </p:sp>
       <p:pic>
         <p:nvPicPr>
-          <p:cNvPr id="5" name="Рисунок 4"/>
+          <p:cNvPr id="6" name="Объект 5"/>
           <p:cNvPicPr>
-            <a:picLocks noChangeAspect="1"/>
+            <a:picLocks noGrp="1" noChangeAspect="1"/>
           </p:cNvPicPr>
-          <p:nvPr/>
+          <p:nvPr>
+            <p:ph idx="1"/>
+          </p:nvPr>
         </p:nvPicPr>
         <p:blipFill>
           <a:blip r:embed="rId2"/>
@@ -4691,8 +4698,8 @@
         </p:blipFill>
         <p:spPr>
           <a:xfrm>
-            <a:off x="3590365" y="1748118"/>
-            <a:ext cx="8162364" cy="3227294"/>
+            <a:off x="3631474" y="769131"/>
+            <a:ext cx="7837715" cy="5354692"/>
           </a:xfrm>
           <a:prstGeom prst="rect">
             <a:avLst/>
@@ -4702,7 +4709,7 @@
     </p:spTree>
     <p:extLst>
       <p:ext uri="{BB962C8B-B14F-4D97-AF65-F5344CB8AC3E}">
-        <p14:creationId xmlns:p14="http://schemas.microsoft.com/office/powerpoint/2010/main" val="1460877749"/>
+        <p14:creationId xmlns:p14="http://schemas.microsoft.com/office/powerpoint/2010/main" val="973262079"/>
       </p:ext>
     </p:extLst>
   </p:cSld>
@@ -4746,35 +4753,28 @@
             <p:ph type="title"/>
           </p:nvPr>
         </p:nvSpPr>
-        <p:spPr>
-          <a:xfrm>
-            <a:off x="242969" y="1770017"/>
-            <a:ext cx="2834640" cy="2377440"/>
-          </a:xfrm>
-        </p:spPr>
+        <p:spPr/>
         <p:txBody>
           <a:bodyPr/>
           <a:lstStyle/>
           <a:p>
             <a:r>
               <a:rPr lang="en-US" dirty="0" smtClean="0"/>
-              <a:t>Index.html </a:t>
-            </a:r>
-            <a:r>
-              <a:rPr lang="ru-RU" dirty="0" smtClean="0"/>
-              <a:t>с учетом</a:t>
-            </a:r>
-            <a:r>
+              <a:t>$Scope</a:t>
+            </a:r>
+            <a:br>
               <a:rPr lang="en-US" dirty="0" smtClean="0"/>
-              <a:t> </a:t>
-            </a:r>
-            <a:r>
-              <a:rPr lang="ru-RU" dirty="0" smtClean="0"/>
-              <a:t>использования </a:t>
-            </a:r>
+            </a:br>
             <a:r>
               <a:rPr lang="en-US" dirty="0" smtClean="0"/>
-              <a:t>Angular.js</a:t>
+              <a:t>Module</a:t>
+            </a:r>
+            <a:br>
+              <a:rPr lang="en-US" dirty="0" smtClean="0"/>
+            </a:br>
+            <a:r>
+              <a:rPr lang="en-US" dirty="0" smtClean="0"/>
+              <a:t>Controller</a:t>
             </a:r>
             <a:endParaRPr lang="ru-RU" dirty="0"/>
           </a:p>
@@ -4782,7 +4782,7 @@
       </p:sp>
       <p:pic>
         <p:nvPicPr>
-          <p:cNvPr id="6" name="Объект 5"/>
+          <p:cNvPr id="5" name="Объект 4"/>
           <p:cNvPicPr>
             <a:picLocks noGrp="1" noChangeAspect="1"/>
           </p:cNvPicPr>
@@ -4798,8 +4798,8 @@
         </p:blipFill>
         <p:spPr>
           <a:xfrm>
-            <a:off x="3631474" y="769131"/>
-            <a:ext cx="7837715" cy="5354692"/>
+            <a:off x="3958046" y="366790"/>
+            <a:ext cx="7040880" cy="6199160"/>
           </a:xfrm>
           <a:prstGeom prst="rect">
             <a:avLst/>
@@ -4809,7 +4809,7 @@
     </p:spTree>
     <p:extLst>
       <p:ext uri="{BB962C8B-B14F-4D97-AF65-F5344CB8AC3E}">
-        <p14:creationId xmlns:p14="http://schemas.microsoft.com/office/powerpoint/2010/main" val="973262079"/>
+        <p14:creationId xmlns:p14="http://schemas.microsoft.com/office/powerpoint/2010/main" val="3186119234"/>
       </p:ext>
     </p:extLst>
   </p:cSld>
@@ -5015,12 +5015,12 @@
           <a:lstStyle/>
           <a:p>
             <a:r>
+              <a:rPr lang="ru-RU" dirty="0" smtClean="0"/>
+              <a:t>Что получилось на </a:t>
+            </a:r>
+            <a:r>
               <a:rPr lang="en-US" dirty="0" smtClean="0"/>
-              <a:t>JS </a:t>
-            </a:r>
-            <a:r>
-              <a:rPr lang="ru-RU" dirty="0" smtClean="0"/>
-              <a:t>код</a:t>
+              <a:t>Angular.js</a:t>
             </a:r>
             <a:endParaRPr lang="ru-RU" dirty="0"/>
           </a:p>
@@ -5028,13 +5028,11 @@
       </p:sp>
       <p:pic>
         <p:nvPicPr>
-          <p:cNvPr id="5" name="Объект 4"/>
+          <p:cNvPr id="5" name="Рисунок 4"/>
           <p:cNvPicPr>
-            <a:picLocks noGrp="1" noChangeAspect="1"/>
+            <a:picLocks noChangeAspect="1"/>
           </p:cNvPicPr>
-          <p:nvPr>
-            <p:ph idx="1"/>
-          </p:nvPr>
+          <p:nvPr/>
         </p:nvPicPr>
         <p:blipFill>
           <a:blip r:embed="rId2"/>
@@ -5044,8 +5042,8 @@
         </p:blipFill>
         <p:spPr>
           <a:xfrm>
-            <a:off x="3958046" y="366790"/>
-            <a:ext cx="7040880" cy="6199160"/>
+            <a:off x="3590365" y="1748118"/>
+            <a:ext cx="8162364" cy="3227294"/>
           </a:xfrm>
           <a:prstGeom prst="rect">
             <a:avLst/>
@@ -5055,7 +5053,7 @@
     </p:spTree>
     <p:extLst>
       <p:ext uri="{BB962C8B-B14F-4D97-AF65-F5344CB8AC3E}">
-        <p14:creationId xmlns:p14="http://schemas.microsoft.com/office/powerpoint/2010/main" val="3186119234"/>
+        <p14:creationId xmlns:p14="http://schemas.microsoft.com/office/powerpoint/2010/main" val="1460877749"/>
       </p:ext>
     </p:extLst>
   </p:cSld>
@@ -5628,95 +5626,12 @@
             <p:ph type="title"/>
           </p:nvPr>
         </p:nvSpPr>
-        <p:spPr/>
-        <p:txBody>
-          <a:bodyPr/>
-          <a:lstStyle/>
-          <a:p>
-            <a:r>
-              <a:rPr lang="ru-RU" dirty="0" smtClean="0"/>
-              <a:t>Что получилось на</a:t>
-            </a:r>
-            <a:r>
-              <a:rPr lang="en-US" dirty="0" smtClean="0"/>
-              <a:t> React.js</a:t>
-            </a:r>
-            <a:endParaRPr lang="ru-RU" dirty="0"/>
-          </a:p>
-        </p:txBody>
-      </p:sp>
-      <p:pic>
-        <p:nvPicPr>
-          <p:cNvPr id="3" name="Рисунок 2"/>
-          <p:cNvPicPr>
-            <a:picLocks noChangeAspect="1"/>
-          </p:cNvPicPr>
-          <p:nvPr/>
-        </p:nvPicPr>
-        <p:blipFill>
-          <a:blip r:embed="rId2"/>
-          <a:stretch>
-            <a:fillRect/>
-          </a:stretch>
-        </p:blipFill>
         <p:spPr>
           <a:xfrm>
-            <a:off x="4327615" y="1914822"/>
-            <a:ext cx="5560967" cy="3019212"/>
+            <a:off x="203781" y="1926772"/>
+            <a:ext cx="2834640" cy="2377440"/>
           </a:xfrm>
-          <a:prstGeom prst="rect">
-            <a:avLst/>
-          </a:prstGeom>
         </p:spPr>
-      </p:pic>
-    </p:spTree>
-    <p:extLst>
-      <p:ext uri="{BB962C8B-B14F-4D97-AF65-F5344CB8AC3E}">
-        <p14:creationId xmlns:p14="http://schemas.microsoft.com/office/powerpoint/2010/main" val="1702156069"/>
-      </p:ext>
-    </p:extLst>
-  </p:cSld>
-  <p:clrMapOvr>
-    <a:masterClrMapping/>
-  </p:clrMapOvr>
-  <p:timing>
-    <p:tnLst>
-      <p:par>
-        <p:cTn id="1" dur="indefinite" restart="never" nodeType="tmRoot"/>
-      </p:par>
-    </p:tnLst>
-  </p:timing>
-</p:sld>
-</file>
-
-<file path=ppt/slides/slide21.xml><?xml version="1.0" encoding="utf-8"?>
-<p:sld xmlns:a="http://schemas.openxmlformats.org/drawingml/2006/main" xmlns:r="http://schemas.openxmlformats.org/officeDocument/2006/relationships" xmlns:p="http://schemas.openxmlformats.org/presentationml/2006/main">
-  <p:cSld>
-    <p:spTree>
-      <p:nvGrpSpPr>
-        <p:cNvPr id="1" name=""/>
-        <p:cNvGrpSpPr/>
-        <p:nvPr/>
-      </p:nvGrpSpPr>
-      <p:grpSpPr>
-        <a:xfrm>
-          <a:off x="0" y="0"/>
-          <a:ext cx="0" cy="0"/>
-          <a:chOff x="0" y="0"/>
-          <a:chExt cx="0" cy="0"/>
-        </a:xfrm>
-      </p:grpSpPr>
-      <p:sp>
-        <p:nvSpPr>
-          <p:cNvPr id="2" name="Заголовок 1"/>
-          <p:cNvSpPr>
-            <a:spLocks noGrp="1"/>
-          </p:cNvSpPr>
-          <p:nvPr>
-            <p:ph type="title"/>
-          </p:nvPr>
-        </p:nvSpPr>
-        <p:spPr/>
         <p:txBody>
           <a:bodyPr/>
           <a:lstStyle/>
@@ -5791,6 +5706,127 @@
 </p:sld>
 </file>
 
+<file path=ppt/slides/slide21.xml><?xml version="1.0" encoding="utf-8"?>
+<p:sld xmlns:a="http://schemas.openxmlformats.org/drawingml/2006/main" xmlns:r="http://schemas.openxmlformats.org/officeDocument/2006/relationships" xmlns:p="http://schemas.openxmlformats.org/presentationml/2006/main">
+  <p:cSld>
+    <p:spTree>
+      <p:nvGrpSpPr>
+        <p:cNvPr id="1" name=""/>
+        <p:cNvGrpSpPr/>
+        <p:nvPr/>
+      </p:nvGrpSpPr>
+      <p:grpSpPr>
+        <a:xfrm>
+          <a:off x="0" y="0"/>
+          <a:ext cx="0" cy="0"/>
+          <a:chOff x="0" y="0"/>
+          <a:chExt cx="0" cy="0"/>
+        </a:xfrm>
+      </p:grpSpPr>
+      <p:sp>
+        <p:nvSpPr>
+          <p:cNvPr id="2" name="Заголовок 1"/>
+          <p:cNvSpPr>
+            <a:spLocks noGrp="1"/>
+          </p:cNvSpPr>
+          <p:nvPr>
+            <p:ph type="title"/>
+          </p:nvPr>
+        </p:nvSpPr>
+        <p:spPr/>
+        <p:txBody>
+          <a:bodyPr/>
+          <a:lstStyle/>
+          <a:p>
+            <a:r>
+              <a:rPr lang="ru-RU" dirty="0" smtClean="0"/>
+              <a:t>Подключаем файлы </a:t>
+            </a:r>
+            <a:r>
+              <a:rPr lang="en-US" dirty="0" smtClean="0"/>
+              <a:t>react.js,</a:t>
+            </a:r>
+            <a:br>
+              <a:rPr lang="en-US" dirty="0" smtClean="0"/>
+            </a:br>
+            <a:r>
+              <a:rPr lang="en-US" dirty="0" err="1" smtClean="0"/>
+              <a:t>ReactDOM</a:t>
+            </a:r>
+            <a:endParaRPr lang="ru-RU" dirty="0"/>
+          </a:p>
+        </p:txBody>
+      </p:sp>
+      <p:pic>
+        <p:nvPicPr>
+          <p:cNvPr id="4" name="Рисунок 3"/>
+          <p:cNvPicPr>
+            <a:picLocks noChangeAspect="1"/>
+          </p:cNvPicPr>
+          <p:nvPr/>
+        </p:nvPicPr>
+        <p:blipFill>
+          <a:blip r:embed="rId2"/>
+          <a:stretch>
+            <a:fillRect/>
+          </a:stretch>
+        </p:blipFill>
+        <p:spPr>
+          <a:xfrm>
+            <a:off x="3618003" y="2230877"/>
+            <a:ext cx="8007976" cy="871810"/>
+          </a:xfrm>
+          <a:prstGeom prst="rect">
+            <a:avLst/>
+          </a:prstGeom>
+        </p:spPr>
+      </p:pic>
+      <p:pic>
+        <p:nvPicPr>
+          <p:cNvPr id="6" name="Объект 4"/>
+          <p:cNvPicPr>
+            <a:picLocks noGrp="1"/>
+          </p:cNvPicPr>
+          <p:nvPr>
+            <p:ph idx="1"/>
+          </p:nvPr>
+        </p:nvPicPr>
+        <p:blipFill>
+          <a:blip r:embed="rId3"/>
+          <a:stretch>
+            <a:fillRect/>
+          </a:stretch>
+        </p:blipFill>
+        <p:spPr>
+          <a:xfrm>
+            <a:off x="3775167" y="3683726"/>
+            <a:ext cx="4848044" cy="1408884"/>
+          </a:xfrm>
+          <a:prstGeom prst="rect">
+            <a:avLst/>
+          </a:prstGeom>
+        </p:spPr>
+      </p:pic>
+    </p:spTree>
+    <p:extLst>
+      <p:ext uri="{BB962C8B-B14F-4D97-AF65-F5344CB8AC3E}">
+        <p14:creationId xmlns:p14="http://schemas.microsoft.com/office/powerpoint/2010/main" val="1100323399"/>
+      </p:ext>
+    </p:extLst>
+  </p:cSld>
+  <p:clrMapOvr>
+    <a:masterClrMapping/>
+  </p:clrMapOvr>
+  <p:timing>
+    <p:tnLst>
+      <p:par>
+        <p:cTn id="1" dur="indefinite" restart="never" nodeType="tmRoot"/>
+      </p:par>
+    </p:tnLst>
+  </p:timing>
+</p:sld>
+</file>
+
 <file path=ppt/slides/slide22.xml><?xml version="1.0" encoding="utf-8"?>
 <p:sld xmlns:a="http://schemas.openxmlformats.org/drawingml/2006/main" xmlns:r="http://schemas.openxmlformats.org/officeDocument/2006/relationships" xmlns:p="http://schemas.openxmlformats.org/presentationml/2006/main">
   <p:cSld>
@@ -5825,66 +5861,42 @@
           <a:p>
             <a:r>
               <a:rPr lang="ru-RU" dirty="0" smtClean="0"/>
-              <a:t>Подключаем файлы </a:t>
-            </a:r>
-            <a:r>
-              <a:rPr lang="en-US" dirty="0" smtClean="0"/>
-              <a:t>react.js</a:t>
+              <a:t>Класс компонента</a:t>
             </a:r>
             <a:endParaRPr lang="ru-RU" dirty="0"/>
           </a:p>
         </p:txBody>
       </p:sp>
-      <p:sp>
-        <p:nvSpPr>
-          <p:cNvPr id="3" name="Объект 2"/>
-          <p:cNvSpPr>
-            <a:spLocks noGrp="1"/>
-          </p:cNvSpPr>
+      <p:pic>
+        <p:nvPicPr>
+          <p:cNvPr id="7" name="Объект 6"/>
+          <p:cNvPicPr>
+            <a:picLocks noGrp="1"/>
+          </p:cNvPicPr>
           <p:nvPr>
             <p:ph idx="1"/>
           </p:nvPr>
-        </p:nvSpPr>
+        </p:nvPicPr>
+        <p:blipFill>
+          <a:blip r:embed="rId2"/>
+          <a:stretch>
+            <a:fillRect/>
+          </a:stretch>
+        </p:blipFill>
         <p:spPr>
           <a:xfrm>
-            <a:off x="4055831" y="3553098"/>
-            <a:ext cx="7315200" cy="966651"/>
+            <a:off x="3827418" y="1123838"/>
+            <a:ext cx="7067006" cy="3970676"/>
           </a:xfrm>
+          <a:prstGeom prst="rect">
+            <a:avLst/>
+          </a:prstGeom>
         </p:spPr>
-        <p:txBody>
-          <a:bodyPr>
-            <a:normAutofit/>
-          </a:bodyPr>
-          <a:lstStyle/>
-          <a:p>
-            <a:r>
-              <a:rPr lang="ru-RU" sz="2400" dirty="0" smtClean="0"/>
-              <a:t>Чтобы подключить файлы </a:t>
-            </a:r>
-            <a:r>
-              <a:rPr lang="en-US" sz="2400" dirty="0" smtClean="0"/>
-              <a:t>react.js, </a:t>
-            </a:r>
-            <a:r>
-              <a:rPr lang="ru-RU" sz="2400" dirty="0" smtClean="0"/>
-              <a:t>перейдем по ссылке: </a:t>
-            </a:r>
-            <a:r>
-              <a:rPr lang="en-US" sz="2400" dirty="0">
-                <a:hlinkClick r:id="rId2"/>
-              </a:rPr>
-              <a:t>https://angularjs.org/</a:t>
-            </a:r>
-            <a:endParaRPr lang="ru-RU" sz="2400" dirty="0"/>
-          </a:p>
-        </p:txBody>
-      </p:sp>
+      </p:pic>
       <p:pic>
         <p:nvPicPr>
-          <p:cNvPr id="4" name="Рисунок 3"/>
-          <p:cNvPicPr>
-            <a:picLocks noChangeAspect="1"/>
-          </p:cNvPicPr>
+          <p:cNvPr id="8" name="Рисунок 7"/>
+          <p:cNvPicPr/>
           <p:nvPr/>
         </p:nvPicPr>
         <p:blipFill>
@@ -5895,8 +5907,8 @@
         </p:blipFill>
         <p:spPr>
           <a:xfrm>
-            <a:off x="3709443" y="2080396"/>
-            <a:ext cx="8007976" cy="871810"/>
+            <a:off x="5822633" y="5423943"/>
+            <a:ext cx="3076575" cy="415154"/>
           </a:xfrm>
           <a:prstGeom prst="rect">
             <a:avLst/>
@@ -5906,7 +5918,7 @@
     </p:spTree>
     <p:extLst>
       <p:ext uri="{BB962C8B-B14F-4D97-AF65-F5344CB8AC3E}">
-        <p14:creationId xmlns:p14="http://schemas.microsoft.com/office/powerpoint/2010/main" val="1100323399"/>
+        <p14:creationId xmlns:p14="http://schemas.microsoft.com/office/powerpoint/2010/main" val="1214032186"/>
       </p:ext>
     </p:extLst>
   </p:cSld>
@@ -5969,7 +5981,7 @@
       </p:sp>
       <p:pic>
         <p:nvPicPr>
-          <p:cNvPr id="4" name="Объект 3"/>
+          <p:cNvPr id="5" name="Объект 4"/>
           <p:cNvPicPr>
             <a:picLocks noGrp="1" noChangeAspect="1"/>
           </p:cNvPicPr>
@@ -5985,8 +5997,8 @@
         </p:blipFill>
         <p:spPr>
           <a:xfrm>
-            <a:off x="3651230" y="287383"/>
-            <a:ext cx="8050516" cy="6048103"/>
+            <a:off x="3553097" y="55967"/>
+            <a:ext cx="7929154" cy="6602331"/>
           </a:xfrm>
           <a:prstGeom prst="rect">
             <a:avLst/>
@@ -5996,7 +6008,7 @@
     </p:spTree>
     <p:extLst>
       <p:ext uri="{BB962C8B-B14F-4D97-AF65-F5344CB8AC3E}">
-        <p14:creationId xmlns:p14="http://schemas.microsoft.com/office/powerpoint/2010/main" val="1214032186"/>
+        <p14:creationId xmlns:p14="http://schemas.microsoft.com/office/powerpoint/2010/main" val="2963032878"/>
       </p:ext>
     </p:extLst>
   </p:cSld>
@@ -6046,12 +6058,12 @@
           <a:lstStyle/>
           <a:p>
             <a:r>
+              <a:rPr lang="ru-RU" dirty="0" smtClean="0"/>
+              <a:t>Что получилось на</a:t>
+            </a:r>
+            <a:r>
               <a:rPr lang="en-US" dirty="0" smtClean="0"/>
-              <a:t>JS </a:t>
-            </a:r>
-            <a:r>
-              <a:rPr lang="ru-RU" dirty="0" smtClean="0"/>
-              <a:t>код</a:t>
+              <a:t> React.js</a:t>
             </a:r>
             <a:endParaRPr lang="ru-RU" dirty="0"/>
           </a:p>
@@ -6059,13 +6071,11 @@
       </p:sp>
       <p:pic>
         <p:nvPicPr>
-          <p:cNvPr id="5" name="Объект 4"/>
+          <p:cNvPr id="3" name="Рисунок 2"/>
           <p:cNvPicPr>
-            <a:picLocks noGrp="1" noChangeAspect="1"/>
+            <a:picLocks noChangeAspect="1"/>
           </p:cNvPicPr>
-          <p:nvPr>
-            <p:ph idx="1"/>
-          </p:nvPr>
+          <p:nvPr/>
         </p:nvPicPr>
         <p:blipFill>
           <a:blip r:embed="rId2"/>
@@ -6075,8 +6085,8 @@
         </p:blipFill>
         <p:spPr>
           <a:xfrm>
-            <a:off x="3553097" y="55967"/>
-            <a:ext cx="7929154" cy="6602331"/>
+            <a:off x="4327615" y="1914822"/>
+            <a:ext cx="5560967" cy="3019212"/>
           </a:xfrm>
           <a:prstGeom prst="rect">
             <a:avLst/>
@@ -6086,7 +6096,7 @@
     </p:spTree>
     <p:extLst>
       <p:ext uri="{BB962C8B-B14F-4D97-AF65-F5344CB8AC3E}">
-        <p14:creationId xmlns:p14="http://schemas.microsoft.com/office/powerpoint/2010/main" val="2963032878"/>
+        <p14:creationId xmlns:p14="http://schemas.microsoft.com/office/powerpoint/2010/main" val="1702156069"/>
       </p:ext>
     </p:extLst>
   </p:cSld>
@@ -10015,14 +10025,19 @@
             <p:ph type="title"/>
           </p:nvPr>
         </p:nvSpPr>
-        <p:spPr/>
+        <p:spPr>
+          <a:xfrm>
+            <a:off x="164592" y="2586445"/>
+            <a:ext cx="2834640" cy="1247503"/>
+          </a:xfrm>
+        </p:spPr>
         <p:txBody>
           <a:bodyPr/>
           <a:lstStyle/>
           <a:p>
             <a:r>
               <a:rPr lang="ru-RU" dirty="0" smtClean="0"/>
-              <a:t>Что получилось на </a:t>
+              <a:t>Конструктор </a:t>
             </a:r>
             <a:r>
               <a:rPr lang="en-US" dirty="0" smtClean="0"/>
@@ -10034,9 +10049,9 @@
       </p:sp>
       <p:pic>
         <p:nvPicPr>
-          <p:cNvPr id="4" name="Объект 3"/>
+          <p:cNvPr id="6" name="Объект 5"/>
           <p:cNvPicPr>
-            <a:picLocks noGrp="1" noChangeAspect="1"/>
+            <a:picLocks noGrp="1"/>
           </p:cNvPicPr>
           <p:nvPr>
             <p:ph idx="1"/>
@@ -10050,8 +10065,8 @@
         </p:blipFill>
         <p:spPr>
           <a:xfrm>
-            <a:off x="3663781" y="1814512"/>
-            <a:ext cx="7962162" cy="3423694"/>
+            <a:off x="3971109" y="2429691"/>
+            <a:ext cx="4937760" cy="2063931"/>
           </a:xfrm>
           <a:prstGeom prst="rect">
             <a:avLst/>
@@ -10061,7 +10076,7 @@
     </p:spTree>
     <p:extLst>
       <p:ext uri="{BB962C8B-B14F-4D97-AF65-F5344CB8AC3E}">
-        <p14:creationId xmlns:p14="http://schemas.microsoft.com/office/powerpoint/2010/main" val="3375472054"/>
+        <p14:creationId xmlns:p14="http://schemas.microsoft.com/office/powerpoint/2010/main" val="1261772022"/>
       </p:ext>
     </p:extLst>
   </p:cSld>
@@ -10097,7 +10112,7 @@
       </p:grpSpPr>
       <p:sp>
         <p:nvSpPr>
-          <p:cNvPr id="2" name="Заголовок 1"/>
+          <p:cNvPr id="3" name="Заголовок 1"/>
           <p:cNvSpPr>
             <a:spLocks noGrp="1"/>
           </p:cNvSpPr>
@@ -10107,8 +10122,8 @@
         </p:nvSpPr>
         <p:spPr>
           <a:xfrm>
-            <a:off x="216843" y="1992086"/>
-            <a:ext cx="2834640" cy="2377440"/>
+            <a:off x="164592" y="2586445"/>
+            <a:ext cx="2834640" cy="1247503"/>
           </a:xfrm>
         </p:spPr>
         <p:txBody>
@@ -10116,20 +10131,8 @@
           <a:lstStyle/>
           <a:p>
             <a:r>
-              <a:rPr lang="en-US" dirty="0" smtClean="0"/>
-              <a:t>Index.html </a:t>
-            </a:r>
-            <a:r>
               <a:rPr lang="ru-RU" dirty="0" smtClean="0"/>
-              <a:t>с учетом</a:t>
-            </a:r>
-            <a:r>
-              <a:rPr lang="en-US" dirty="0" smtClean="0"/>
-              <a:t> </a:t>
-            </a:r>
-            <a:r>
-              <a:rPr lang="ru-RU" dirty="0" smtClean="0"/>
-              <a:t>использования </a:t>
+              <a:t>Конструктор </a:t>
             </a:r>
             <a:r>
               <a:rPr lang="en-US" dirty="0" smtClean="0"/>
@@ -10143,7 +10146,7 @@
         <p:nvPicPr>
           <p:cNvPr id="5" name="Объект 4"/>
           <p:cNvPicPr>
-            <a:picLocks noGrp="1" noChangeAspect="1"/>
+            <a:picLocks noGrp="1"/>
           </p:cNvPicPr>
           <p:nvPr>
             <p:ph idx="1"/>
@@ -10157,8 +10160,8 @@
         </p:blipFill>
         <p:spPr>
           <a:xfrm>
-            <a:off x="3801292" y="679269"/>
-            <a:ext cx="7442716" cy="5502568"/>
+            <a:off x="3749040" y="1998617"/>
+            <a:ext cx="7184571" cy="2560319"/>
           </a:xfrm>
           <a:prstGeom prst="rect">
             <a:avLst/>
@@ -10168,7 +10171,7 @@
     </p:spTree>
     <p:extLst>
       <p:ext uri="{BB962C8B-B14F-4D97-AF65-F5344CB8AC3E}">
-        <p14:creationId xmlns:p14="http://schemas.microsoft.com/office/powerpoint/2010/main" val="1261772022"/>
+        <p14:creationId xmlns:p14="http://schemas.microsoft.com/office/powerpoint/2010/main" val="3301418783"/>
       </p:ext>
     </p:extLst>
   </p:cSld>
@@ -10202,6 +10205,33 @@
           <a:chExt cx="0" cy="0"/>
         </a:xfrm>
       </p:grpSpPr>
+      <p:sp>
+        <p:nvSpPr>
+          <p:cNvPr id="2" name="Заголовок 1"/>
+          <p:cNvSpPr>
+            <a:spLocks noGrp="1"/>
+          </p:cNvSpPr>
+          <p:nvPr>
+            <p:ph type="title"/>
+          </p:nvPr>
+        </p:nvSpPr>
+        <p:spPr/>
+        <p:txBody>
+          <a:bodyPr/>
+          <a:lstStyle/>
+          <a:p>
+            <a:r>
+              <a:rPr lang="ru-RU" dirty="0" smtClean="0"/>
+              <a:t>Компоненты </a:t>
+            </a:r>
+            <a:r>
+              <a:rPr lang="en-US" dirty="0" smtClean="0"/>
+              <a:t>Vue.js</a:t>
+            </a:r>
+            <a:endParaRPr lang="ru-RU" dirty="0"/>
+          </a:p>
+        </p:txBody>
+      </p:sp>
       <p:pic>
         <p:nvPicPr>
           <p:cNvPr id="4" name="Объект 3"/>
@@ -10220,8 +10250,8 @@
         </p:blipFill>
         <p:spPr>
           <a:xfrm>
-            <a:off x="3762103" y="1490884"/>
-            <a:ext cx="7341325" cy="3770590"/>
+            <a:off x="4362994" y="863600"/>
+            <a:ext cx="5376935" cy="5121275"/>
           </a:xfrm>
           <a:prstGeom prst="rect">
             <a:avLst/>
@@ -10231,7 +10261,7 @@
     </p:spTree>
     <p:extLst>
       <p:ext uri="{BB962C8B-B14F-4D97-AF65-F5344CB8AC3E}">
-        <p14:creationId xmlns:p14="http://schemas.microsoft.com/office/powerpoint/2010/main" val="3301418783"/>
+        <p14:creationId xmlns:p14="http://schemas.microsoft.com/office/powerpoint/2010/main" val="2076334492"/>
       </p:ext>
     </p:extLst>
   </p:cSld>
@@ -10267,26 +10297,52 @@
       </p:grpSpPr>
       <p:sp>
         <p:nvSpPr>
-          <p:cNvPr id="2" name="Заголовок 1"/>
-          <p:cNvSpPr>
-            <a:spLocks noGrp="1"/>
-          </p:cNvSpPr>
-          <p:nvPr>
-            <p:ph type="title"/>
-          </p:nvPr>
-        </p:nvSpPr>
-        <p:spPr/>
-        <p:txBody>
-          <a:bodyPr/>
-          <a:lstStyle/>
-          <a:p>
+          <p:cNvPr id="5" name="Заголовок 1"/>
+          <p:cNvSpPr txBox="1">
+            <a:spLocks/>
+          </p:cNvSpPr>
+          <p:nvPr/>
+        </p:nvSpPr>
+        <p:spPr>
+          <a:xfrm>
+            <a:off x="201692" y="1123836"/>
+            <a:ext cx="2947482" cy="4601183"/>
+          </a:xfrm>
+          <a:prstGeom prst="rect">
+            <a:avLst/>
+          </a:prstGeom>
+        </p:spPr>
+        <p:txBody>
+          <a:bodyPr vert="horz" lIns="91440" tIns="45720" rIns="91440" bIns="45720" rtlCol="0" anchor="ctr">
+            <a:normAutofit/>
+          </a:bodyPr>
+          <a:lstStyle>
+            <a:lvl1pPr algn="l" defTabSz="914400" rtl="0" eaLnBrk="1" latinLnBrk="0" hangingPunct="1">
+              <a:lnSpc>
+                <a:spcPct val="90000"/>
+              </a:lnSpc>
+              <a:spcBef>
+                <a:spcPct val="0"/>
+              </a:spcBef>
+              <a:buNone/>
+              <a:defRPr sz="3600" kern="1200" spc="-60" baseline="0">
+                <a:solidFill>
+                  <a:srgbClr val="FFFFFF"/>
+                </a:solidFill>
+                <a:latin typeface="+mj-lt"/>
+                <a:ea typeface="+mj-ea"/>
+                <a:cs typeface="+mj-cs"/>
+              </a:defRPr>
+            </a:lvl1pPr>
+          </a:lstStyle>
+          <a:p>
+            <a:r>
+              <a:rPr lang="ru-RU" dirty="0" smtClean="0"/>
+              <a:t>Компоненты </a:t>
+            </a:r>
             <a:r>
               <a:rPr lang="en-US" dirty="0" smtClean="0"/>
-              <a:t>JS </a:t>
-            </a:r>
-            <a:r>
-              <a:rPr lang="ru-RU" dirty="0" smtClean="0"/>
-              <a:t>код</a:t>
+              <a:t>Vue.js</a:t>
             </a:r>
             <a:endParaRPr lang="ru-RU" dirty="0"/>
           </a:p>
@@ -10294,9 +10350,9 @@
       </p:sp>
       <p:pic>
         <p:nvPicPr>
-          <p:cNvPr id="4" name="Объект 3"/>
+          <p:cNvPr id="7" name="Объект 6"/>
           <p:cNvPicPr>
-            <a:picLocks noGrp="1" noChangeAspect="1"/>
+            <a:picLocks noGrp="1"/>
           </p:cNvPicPr>
           <p:nvPr>
             <p:ph idx="1"/>
@@ -10310,8 +10366,8 @@
         </p:blipFill>
         <p:spPr>
           <a:xfrm>
-            <a:off x="4362994" y="863600"/>
-            <a:ext cx="5376935" cy="5121275"/>
+            <a:off x="3953435" y="1492623"/>
+            <a:ext cx="6521824" cy="3550023"/>
           </a:xfrm>
           <a:prstGeom prst="rect">
             <a:avLst/>
@@ -10321,7 +10377,7 @@
     </p:spTree>
     <p:extLst>
       <p:ext uri="{BB962C8B-B14F-4D97-AF65-F5344CB8AC3E}">
-        <p14:creationId xmlns:p14="http://schemas.microsoft.com/office/powerpoint/2010/main" val="2076334492"/>
+        <p14:creationId xmlns:p14="http://schemas.microsoft.com/office/powerpoint/2010/main" val="2764446645"/>
       </p:ext>
     </p:extLst>
   </p:cSld>
